--- a/Study/statistics/PPT/55. 우도비 검정.pptx
+++ b/Study/statistics/PPT/55. 우도비 검정.pptx
@@ -280,7 +280,7 @@
           <a:p>
             <a:fld id="{B9E954FC-055C-42DA-8532-D0E25345B8EF}" type="datetimeFigureOut">
               <a:rPr lang="ko-KR" altLang="en-US" smtClean="0"/>
-              <a:t>2020-01-06</a:t>
+              <a:t>2020-01-11</a:t>
             </a:fld>
             <a:endParaRPr lang="ko-KR" altLang="en-US"/>
           </a:p>
@@ -478,7 +478,7 @@
           <a:p>
             <a:fld id="{B9E954FC-055C-42DA-8532-D0E25345B8EF}" type="datetimeFigureOut">
               <a:rPr lang="ko-KR" altLang="en-US" smtClean="0"/>
-              <a:t>2020-01-06</a:t>
+              <a:t>2020-01-11</a:t>
             </a:fld>
             <a:endParaRPr lang="ko-KR" altLang="en-US"/>
           </a:p>
@@ -686,7 +686,7 @@
           <a:p>
             <a:fld id="{B9E954FC-055C-42DA-8532-D0E25345B8EF}" type="datetimeFigureOut">
               <a:rPr lang="ko-KR" altLang="en-US" smtClean="0"/>
-              <a:t>2020-01-06</a:t>
+              <a:t>2020-01-11</a:t>
             </a:fld>
             <a:endParaRPr lang="ko-KR" altLang="en-US"/>
           </a:p>
@@ -884,7 +884,7 @@
           <a:p>
             <a:fld id="{B9E954FC-055C-42DA-8532-D0E25345B8EF}" type="datetimeFigureOut">
               <a:rPr lang="ko-KR" altLang="en-US" smtClean="0"/>
-              <a:t>2020-01-06</a:t>
+              <a:t>2020-01-11</a:t>
             </a:fld>
             <a:endParaRPr lang="ko-KR" altLang="en-US"/>
           </a:p>
@@ -1159,7 +1159,7 @@
           <a:p>
             <a:fld id="{B9E954FC-055C-42DA-8532-D0E25345B8EF}" type="datetimeFigureOut">
               <a:rPr lang="ko-KR" altLang="en-US" smtClean="0"/>
-              <a:t>2020-01-06</a:t>
+              <a:t>2020-01-11</a:t>
             </a:fld>
             <a:endParaRPr lang="ko-KR" altLang="en-US"/>
           </a:p>
@@ -1424,7 +1424,7 @@
           <a:p>
             <a:fld id="{B9E954FC-055C-42DA-8532-D0E25345B8EF}" type="datetimeFigureOut">
               <a:rPr lang="ko-KR" altLang="en-US" smtClean="0"/>
-              <a:t>2020-01-06</a:t>
+              <a:t>2020-01-11</a:t>
             </a:fld>
             <a:endParaRPr lang="ko-KR" altLang="en-US"/>
           </a:p>
@@ -1836,7 +1836,7 @@
           <a:p>
             <a:fld id="{B9E954FC-055C-42DA-8532-D0E25345B8EF}" type="datetimeFigureOut">
               <a:rPr lang="ko-KR" altLang="en-US" smtClean="0"/>
-              <a:t>2020-01-06</a:t>
+              <a:t>2020-01-11</a:t>
             </a:fld>
             <a:endParaRPr lang="ko-KR" altLang="en-US"/>
           </a:p>
@@ -1977,7 +1977,7 @@
           <a:p>
             <a:fld id="{B9E954FC-055C-42DA-8532-D0E25345B8EF}" type="datetimeFigureOut">
               <a:rPr lang="ko-KR" altLang="en-US" smtClean="0"/>
-              <a:t>2020-01-06</a:t>
+              <a:t>2020-01-11</a:t>
             </a:fld>
             <a:endParaRPr lang="ko-KR" altLang="en-US"/>
           </a:p>
@@ -2090,7 +2090,7 @@
           <a:p>
             <a:fld id="{B9E954FC-055C-42DA-8532-D0E25345B8EF}" type="datetimeFigureOut">
               <a:rPr lang="ko-KR" altLang="en-US" smtClean="0"/>
-              <a:t>2020-01-06</a:t>
+              <a:t>2020-01-11</a:t>
             </a:fld>
             <a:endParaRPr lang="ko-KR" altLang="en-US"/>
           </a:p>
@@ -2401,7 +2401,7 @@
           <a:p>
             <a:fld id="{B9E954FC-055C-42DA-8532-D0E25345B8EF}" type="datetimeFigureOut">
               <a:rPr lang="ko-KR" altLang="en-US" smtClean="0"/>
-              <a:t>2020-01-06</a:t>
+              <a:t>2020-01-11</a:t>
             </a:fld>
             <a:endParaRPr lang="ko-KR" altLang="en-US"/>
           </a:p>
@@ -2689,7 +2689,7 @@
           <a:p>
             <a:fld id="{B9E954FC-055C-42DA-8532-D0E25345B8EF}" type="datetimeFigureOut">
               <a:rPr lang="ko-KR" altLang="en-US" smtClean="0"/>
-              <a:t>2020-01-06</a:t>
+              <a:t>2020-01-11</a:t>
             </a:fld>
             <a:endParaRPr lang="ko-KR" altLang="en-US"/>
           </a:p>
@@ -2930,7 +2930,7 @@
           <a:p>
             <a:fld id="{B9E954FC-055C-42DA-8532-D0E25345B8EF}" type="datetimeFigureOut">
               <a:rPr lang="ko-KR" altLang="en-US" smtClean="0"/>
-              <a:t>2020-01-06</a:t>
+              <a:t>2020-01-11</a:t>
             </a:fld>
             <a:endParaRPr lang="ko-KR" altLang="en-US"/>
           </a:p>
@@ -3462,8 +3462,8 @@
           </a:p>
         </p:txBody>
       </p:sp>
-      <mc:AlternateContent xmlns:mc="http://schemas.openxmlformats.org/markup-compatibility/2006">
-        <mc:Choice xmlns:a14="http://schemas.microsoft.com/office/drawing/2010/main" Requires="a14">
+      <mc:AlternateContent xmlns:mc="http://schemas.openxmlformats.org/markup-compatibility/2006" xmlns:a14="http://schemas.microsoft.com/office/drawing/2010/main">
+        <mc:Choice Requires="a14">
           <p:sp>
             <p:nvSpPr>
               <p:cNvPr id="3" name="내용 개체 틀 2">
@@ -5271,7 +5271,7 @@
                     <m:d>
                       <m:dPr>
                         <m:ctrlPr>
-                          <a:rPr lang="en-US" altLang="ko-KR" sz="2000" b="0" i="0" dirty="0" smtClean="0">
+                          <a:rPr lang="en-US" altLang="ko-KR" sz="2000" b="0" i="1" dirty="0" smtClean="0">
                             <a:latin typeface="Cambria Math" panose="02040503050406030204" pitchFamily="18" charset="0"/>
                             <a:ea typeface="Cambria Math" panose="02040503050406030204" pitchFamily="18" charset="0"/>
                           </a:rPr>
@@ -5283,7 +5283,7 @@
                             <m:begChr m:val="|"/>
                             <m:endChr m:val="|"/>
                             <m:ctrlPr>
-                              <a:rPr lang="en-US" altLang="ko-KR" sz="2000" b="0" i="0" dirty="0" smtClean="0">
+                              <a:rPr lang="en-US" altLang="ko-KR" sz="2000" b="0" i="1" dirty="0" smtClean="0">
                                 <a:latin typeface="Cambria Math" panose="02040503050406030204" pitchFamily="18" charset="0"/>
                                 <a:ea typeface="Cambria Math" panose="02040503050406030204" pitchFamily="18" charset="0"/>
                               </a:rPr>
@@ -5462,7 +5462,7 @@
             </p:txBody>
           </p:sp>
         </mc:Choice>
-        <mc:Fallback>
+        <mc:Fallback xmlns="">
           <p:sp>
             <p:nvSpPr>
               <p:cNvPr id="3" name="내용 개체 틀 2">
@@ -5560,8 +5560,8 @@
           </a:p>
         </p:txBody>
       </p:sp>
-      <mc:AlternateContent xmlns:mc="http://schemas.openxmlformats.org/markup-compatibility/2006">
-        <mc:Choice xmlns:a14="http://schemas.microsoft.com/office/drawing/2010/main" Requires="a14">
+      <mc:AlternateContent xmlns:mc="http://schemas.openxmlformats.org/markup-compatibility/2006" xmlns:a14="http://schemas.microsoft.com/office/drawing/2010/main">
+        <mc:Choice Requires="a14">
           <p:sp>
             <p:nvSpPr>
               <p:cNvPr id="3" name="내용 개체 틀 2">
@@ -6458,13 +6458,7 @@
                       <a:rPr lang="en-US" altLang="ko-KR" sz="2000" b="0" i="1" smtClean="0">
                         <a:latin typeface="Cambria Math" panose="02040503050406030204" pitchFamily="18" charset="0"/>
                       </a:rPr>
-                      <m:t> </m:t>
-                    </m:r>
-                    <m:r>
-                      <a:rPr lang="en-US" altLang="ko-KR" sz="2000" b="0" i="1" smtClean="0">
-                        <a:latin typeface="Cambria Math" panose="02040503050406030204" pitchFamily="18" charset="0"/>
-                      </a:rPr>
-                      <m:t>,</m:t>
+                      <m:t> ,</m:t>
                     </m:r>
                     <m:nary>
                       <m:naryPr>
@@ -7983,7 +7977,7 @@
             </p:txBody>
           </p:sp>
         </mc:Choice>
-        <mc:Fallback>
+        <mc:Fallback xmlns="">
           <p:sp>
             <p:nvSpPr>
               <p:cNvPr id="3" name="내용 개체 틀 2">
@@ -8081,8 +8075,8 @@
           </a:p>
         </p:txBody>
       </p:sp>
-      <mc:AlternateContent xmlns:mc="http://schemas.openxmlformats.org/markup-compatibility/2006">
-        <mc:Choice xmlns:a14="http://schemas.microsoft.com/office/drawing/2010/main" Requires="a14">
+      <mc:AlternateContent xmlns:mc="http://schemas.openxmlformats.org/markup-compatibility/2006" xmlns:a14="http://schemas.microsoft.com/office/drawing/2010/main">
+        <mc:Choice Requires="a14">
           <p:sp>
             <p:nvSpPr>
               <p:cNvPr id="3" name="내용 개체 틀 2">
@@ -8256,7 +8250,7 @@
                     <m:d>
                       <m:dPr>
                         <m:ctrlPr>
-                          <a:rPr lang="en-US" altLang="ko-KR" sz="2000" b="0" i="0" smtClean="0">
+                          <a:rPr lang="en-US" altLang="ko-KR" sz="2000" b="0" i="1" smtClean="0">
                             <a:solidFill>
                               <a:srgbClr val="FF0000"/>
                             </a:solidFill>
@@ -8549,7 +8543,7 @@
             </p:txBody>
           </p:sp>
         </mc:Choice>
-        <mc:Fallback>
+        <mc:Fallback xmlns="">
           <p:sp>
             <p:nvSpPr>
               <p:cNvPr id="3" name="내용 개체 틀 2">
@@ -8837,6 +8831,9 @@
                 <a:br>
                   <a:rPr lang="en-US" altLang="ko-KR" sz="2000" dirty="0"/>
                 </a:br>
+                <a:br>
+                  <a:rPr lang="en-US" altLang="ko-KR" sz="2000" dirty="0"/>
+                </a:br>
                 <a:r>
                   <a:rPr lang="ko-KR" altLang="en-US" sz="2000" dirty="0"/>
                   <a:t>즉 분산은 같고 평균은 다르다</a:t>
@@ -9246,7 +9243,7 @@
                         <a:latin typeface="Cambria Math" panose="02040503050406030204" pitchFamily="18" charset="0"/>
                         <a:ea typeface="Cambria Math" panose="02040503050406030204" pitchFamily="18" charset="0"/>
                       </a:rPr>
-                      <m:t>-</m:t>
+                      <m:t>−</m:t>
                     </m:r>
                     <m:r>
                       <a:rPr lang="en-US" altLang="ko-KR" sz="2000" i="1" smtClean="0">
@@ -11736,7 +11733,7 @@
               <a:blipFill>
                 <a:blip r:embed="rId2"/>
                 <a:stretch>
-                  <a:fillRect l="-754" t="-2661"/>
+                  <a:fillRect l="-754" t="-2661" b="-840"/>
                 </a:stretch>
               </a:blipFill>
             </p:spPr>
@@ -11813,8 +11810,8 @@
           </a:p>
         </p:txBody>
       </p:sp>
-      <mc:AlternateContent xmlns:mc="http://schemas.openxmlformats.org/markup-compatibility/2006">
-        <mc:Choice xmlns:a14="http://schemas.microsoft.com/office/drawing/2010/main" Requires="a14">
+      <mc:AlternateContent xmlns:mc="http://schemas.openxmlformats.org/markup-compatibility/2006" xmlns:a14="http://schemas.microsoft.com/office/drawing/2010/main">
+        <mc:Choice Requires="a14">
           <p:sp>
             <p:nvSpPr>
               <p:cNvPr id="3" name="내용 개체 틀 2">
@@ -12137,13 +12134,7 @@
                               <a:rPr lang="ko-KR" altLang="en-US" sz="2000" i="1" smtClean="0">
                                 <a:latin typeface="Cambria Math" panose="02040503050406030204" pitchFamily="18" charset="0"/>
                               </a:rPr>
-                              <m:t>𝜕</m:t>
-                            </m:r>
-                            <m:r>
-                              <a:rPr lang="ko-KR" altLang="en-US" sz="2000" i="1" smtClean="0">
-                                <a:latin typeface="Cambria Math" panose="02040503050406030204" pitchFamily="18" charset="0"/>
-                              </a:rPr>
-                              <m:t>𝜎</m:t>
+                              <m:t>𝜕𝜎</m:t>
                             </m:r>
                           </m:den>
                         </m:f>
@@ -12606,7 +12597,7 @@
                         <m:begChr m:val="["/>
                         <m:endChr m:val="]"/>
                         <m:ctrlPr>
-                          <a:rPr lang="en-US" altLang="ko-KR" sz="2000" b="0" i="0" smtClean="0">
+                          <a:rPr lang="en-US" altLang="ko-KR" sz="2000" b="0" i="1" smtClean="0">
                             <a:latin typeface="Cambria Math" panose="02040503050406030204" pitchFamily="18" charset="0"/>
                           </a:rPr>
                         </m:ctrlPr>
@@ -13570,7 +13561,7 @@
             </p:txBody>
           </p:sp>
         </mc:Choice>
-        <mc:Fallback>
+        <mc:Fallback xmlns="">
           <p:sp>
             <p:nvSpPr>
               <p:cNvPr id="3" name="내용 개체 틀 2">
@@ -13668,8 +13659,8 @@
           </a:p>
         </p:txBody>
       </p:sp>
-      <mc:AlternateContent xmlns:mc="http://schemas.openxmlformats.org/markup-compatibility/2006">
-        <mc:Choice xmlns:a14="http://schemas.microsoft.com/office/drawing/2010/main" Requires="a14">
+      <mc:AlternateContent xmlns:mc="http://schemas.openxmlformats.org/markup-compatibility/2006" xmlns:a14="http://schemas.microsoft.com/office/drawing/2010/main">
+        <mc:Choice Requires="a14">
           <p:sp>
             <p:nvSpPr>
               <p:cNvPr id="3" name="내용 개체 틀 2">
@@ -14670,7 +14661,7 @@
                         <m:begChr m:val="["/>
                         <m:endChr m:val="]"/>
                         <m:ctrlPr>
-                          <a:rPr lang="en-US" altLang="ko-KR" sz="2000" b="0" i="0" smtClean="0">
+                          <a:rPr lang="en-US" altLang="ko-KR" sz="2000" b="0" i="1" smtClean="0">
                             <a:latin typeface="Cambria Math" panose="02040503050406030204" pitchFamily="18" charset="0"/>
                           </a:rPr>
                         </m:ctrlPr>
@@ -15707,7 +15698,7 @@
             </p:txBody>
           </p:sp>
         </mc:Choice>
-        <mc:Fallback>
+        <mc:Fallback xmlns="">
           <p:sp>
             <p:nvSpPr>
               <p:cNvPr id="3" name="내용 개체 틀 2">
@@ -15826,7 +15817,7 @@
             <p:spPr/>
             <p:txBody>
               <a:bodyPr>
-                <a:normAutofit/>
+                <a:normAutofit lnSpcReduction="10000"/>
               </a:bodyPr>
               <a:lstStyle/>
               <a:p>
@@ -16469,6 +16460,537 @@
                 </a:endParaRPr>
               </a:p>
               <a:p>
+                <a:pPr marL="0" indent="0">
+                  <a:buNone/>
+                </a:pPr>
+                <a:r>
+                  <a:rPr lang="en-US" altLang="ko-KR" sz="2000" b="0" dirty="0">
+                    <a:latin typeface="+mn-ea"/>
+                  </a:rPr>
+                  <a:t>(2)</a:t>
+                </a:r>
+                <a:r>
+                  <a:rPr lang="ko-KR" altLang="en-US" sz="2000" b="0" dirty="0">
+                    <a:latin typeface="+mn-ea"/>
+                  </a:rPr>
+                  <a:t> 한편</a:t>
+                </a:r>
+                <a:r>
+                  <a:rPr lang="en-US" altLang="ko-KR" sz="2000" b="0" dirty="0">
+                    <a:latin typeface="+mn-ea"/>
+                  </a:rPr>
+                  <a:t>, </a:t>
+                </a:r>
+                <a14:m>
+                  <m:oMath xmlns:m="http://schemas.openxmlformats.org/officeDocument/2006/math">
+                    <m:sSup>
+                      <m:sSupPr>
+                        <m:ctrlPr>
+                          <a:rPr lang="en-US" altLang="ko-KR" sz="2000" i="1">
+                            <a:latin typeface="Cambria Math" panose="02040503050406030204" pitchFamily="18" charset="0"/>
+                          </a:rPr>
+                        </m:ctrlPr>
+                      </m:sSupPr>
+                      <m:e>
+                        <m:r>
+                          <a:rPr lang="ko-KR" altLang="en-US" sz="2000" i="1">
+                            <a:latin typeface="Cambria Math" panose="02040503050406030204" pitchFamily="18" charset="0"/>
+                          </a:rPr>
+                          <m:t>𝜎</m:t>
+                        </m:r>
+                      </m:e>
+                      <m:sup>
+                        <m:r>
+                          <a:rPr lang="en-US" altLang="ko-KR" sz="2000" i="1">
+                            <a:latin typeface="Cambria Math" panose="02040503050406030204" pitchFamily="18" charset="0"/>
+                          </a:rPr>
+                          <m:t>2</m:t>
+                        </m:r>
+                      </m:sup>
+                    </m:sSup>
+                  </m:oMath>
+                </a14:m>
+                <a:r>
+                  <a:rPr lang="ko-KR" altLang="en-US" sz="2000" b="0" dirty="0">
+                    <a:latin typeface="+mn-ea"/>
+                  </a:rPr>
+                  <a:t>와 </a:t>
+                </a:r>
+                <a14:m>
+                  <m:oMath xmlns:m="http://schemas.openxmlformats.org/officeDocument/2006/math">
+                    <m:sSup>
+                      <m:sSupPr>
+                        <m:ctrlPr>
+                          <a:rPr lang="en-US" altLang="ko-KR" sz="2000" i="1">
+                            <a:latin typeface="Cambria Math" panose="02040503050406030204" pitchFamily="18" charset="0"/>
+                          </a:rPr>
+                        </m:ctrlPr>
+                      </m:sSupPr>
+                      <m:e>
+                        <m:r>
+                          <a:rPr lang="ko-KR" altLang="en-US" sz="2000" i="1">
+                            <a:latin typeface="Cambria Math" panose="02040503050406030204" pitchFamily="18" charset="0"/>
+                          </a:rPr>
+                          <m:t>𝜎</m:t>
+                        </m:r>
+                        <m:r>
+                          <a:rPr lang="en-US" altLang="ko-KR" sz="2000" i="1">
+                            <a:latin typeface="Cambria Math" panose="02040503050406030204" pitchFamily="18" charset="0"/>
+                          </a:rPr>
+                          <m:t>′</m:t>
+                        </m:r>
+                      </m:e>
+                      <m:sup>
+                        <m:r>
+                          <a:rPr lang="en-US" altLang="ko-KR" sz="2000" i="1">
+                            <a:latin typeface="Cambria Math" panose="02040503050406030204" pitchFamily="18" charset="0"/>
+                          </a:rPr>
+                          <m:t>2</m:t>
+                        </m:r>
+                      </m:sup>
+                    </m:sSup>
+                  </m:oMath>
+                </a14:m>
+                <a:r>
+                  <a:rPr lang="en-US" altLang="ko-KR" sz="2000" b="0" dirty="0">
+                    <a:latin typeface="+mn-ea"/>
+                  </a:rPr>
+                  <a:t> </a:t>
+                </a:r>
+                <a:r>
+                  <a:rPr lang="ko-KR" altLang="en-US" sz="2000" b="0" dirty="0">
+                    <a:latin typeface="+mn-ea"/>
+                  </a:rPr>
+                  <a:t>모두 </a:t>
+                </a:r>
+                <a:r>
+                  <a:rPr lang="ko-KR" altLang="en-US" sz="2000" b="0" dirty="0" err="1">
+                    <a:latin typeface="+mn-ea"/>
+                  </a:rPr>
+                  <a:t>완비충분통계량</a:t>
+                </a:r>
+                <a:r>
+                  <a:rPr lang="ko-KR" altLang="en-US" sz="2000" b="0" dirty="0">
+                    <a:latin typeface="+mn-ea"/>
+                  </a:rPr>
+                  <a:t> </a:t>
+                </a:r>
+                <a:r>
+                  <a:rPr lang="en-US" altLang="ko-KR" sz="2000" b="0" dirty="0">
+                    <a:latin typeface="+mn-ea"/>
+                  </a:rPr>
+                  <a:t>Y=</a:t>
+                </a:r>
+                <a:r>
+                  <a:rPr lang="en-US" altLang="ko-KR" sz="2000" dirty="0"/>
+                  <a:t> </a:t>
+                </a:r>
+                <a14:m>
+                  <m:oMath xmlns:m="http://schemas.openxmlformats.org/officeDocument/2006/math">
+                    <m:nary>
+                      <m:naryPr>
+                        <m:chr m:val="∑"/>
+                        <m:subHide m:val="on"/>
+                        <m:supHide m:val="on"/>
+                        <m:ctrlPr>
+                          <a:rPr lang="en-US" altLang="ko-KR" sz="2000" i="1">
+                            <a:latin typeface="Cambria Math" panose="02040503050406030204" pitchFamily="18" charset="0"/>
+                          </a:rPr>
+                        </m:ctrlPr>
+                      </m:naryPr>
+                      <m:sub/>
+                      <m:sup/>
+                      <m:e>
+                        <m:sSup>
+                          <m:sSupPr>
+                            <m:ctrlPr>
+                              <a:rPr lang="en-US" altLang="ko-KR" sz="2000" i="1" smtClean="0">
+                                <a:latin typeface="Cambria Math" panose="02040503050406030204" pitchFamily="18" charset="0"/>
+                              </a:rPr>
+                            </m:ctrlPr>
+                          </m:sSupPr>
+                          <m:e>
+                            <m:sSub>
+                              <m:sSubPr>
+                                <m:ctrlPr>
+                                  <a:rPr lang="ko-KR" altLang="en-US" sz="2000" i="1">
+                                    <a:latin typeface="Cambria Math" panose="02040503050406030204" pitchFamily="18" charset="0"/>
+                                  </a:rPr>
+                                </m:ctrlPr>
+                              </m:sSubPr>
+                              <m:e>
+                                <m:r>
+                                  <a:rPr lang="en-US" altLang="ko-KR" sz="2000" i="1">
+                                    <a:latin typeface="Cambria Math" panose="02040503050406030204" pitchFamily="18" charset="0"/>
+                                  </a:rPr>
+                                  <m:t>𝑥</m:t>
+                                </m:r>
+                              </m:e>
+                              <m:sub>
+                                <m:r>
+                                  <a:rPr lang="en-US" altLang="ko-KR" sz="2000" i="1">
+                                    <a:latin typeface="Cambria Math" panose="02040503050406030204" pitchFamily="18" charset="0"/>
+                                  </a:rPr>
+                                  <m:t>𝑖</m:t>
+                                </m:r>
+                              </m:sub>
+                            </m:sSub>
+                          </m:e>
+                          <m:sup>
+                            <m:r>
+                              <a:rPr lang="en-US" altLang="ko-KR" sz="2000" b="0" i="1" smtClean="0">
+                                <a:latin typeface="Cambria Math" panose="02040503050406030204" pitchFamily="18" charset="0"/>
+                              </a:rPr>
+                              <m:t>2</m:t>
+                            </m:r>
+                          </m:sup>
+                        </m:sSup>
+                      </m:e>
+                    </m:nary>
+                  </m:oMath>
+                </a14:m>
+                <a:r>
+                  <a:rPr lang="ko-KR" altLang="en-US" sz="2000" b="0" dirty="0">
+                    <a:latin typeface="+mn-ea"/>
+                  </a:rPr>
+                  <a:t>에 대한 함수이다</a:t>
+                </a:r>
+                <a:r>
+                  <a:rPr lang="en-US" altLang="ko-KR" sz="2000" b="0" dirty="0">
+                    <a:latin typeface="+mn-ea"/>
+                  </a:rPr>
+                  <a:t>. </a:t>
+                </a:r>
+                <a:r>
+                  <a:rPr lang="ko-KR" altLang="en-US" sz="2000" b="0" dirty="0">
+                    <a:latin typeface="+mn-ea"/>
+                  </a:rPr>
+                  <a:t>즉</a:t>
+                </a:r>
+                <a:endParaRPr lang="en-US" altLang="ko-KR" sz="2000" b="0" dirty="0">
+                  <a:latin typeface="+mn-ea"/>
+                </a:endParaRPr>
+              </a:p>
+              <a:p>
+                <a:pPr marL="0" indent="0">
+                  <a:buNone/>
+                </a:pPr>
+                <a:r>
+                  <a:rPr lang="en-US" altLang="ko-KR" sz="2000" dirty="0">
+                    <a:latin typeface="+mn-ea"/>
+                  </a:rPr>
+                  <a:t>- </a:t>
+                </a:r>
+                <a14:m>
+                  <m:oMath xmlns:m="http://schemas.openxmlformats.org/officeDocument/2006/math">
+                    <m:sSup>
+                      <m:sSupPr>
+                        <m:ctrlPr>
+                          <a:rPr lang="en-US" altLang="ko-KR" sz="2000" i="1">
+                            <a:latin typeface="Cambria Math" panose="02040503050406030204" pitchFamily="18" charset="0"/>
+                          </a:rPr>
+                        </m:ctrlPr>
+                      </m:sSupPr>
+                      <m:e>
+                        <m:r>
+                          <a:rPr lang="ko-KR" altLang="en-US" sz="2000" i="1">
+                            <a:latin typeface="Cambria Math" panose="02040503050406030204" pitchFamily="18" charset="0"/>
+                          </a:rPr>
+                          <m:t>𝜎</m:t>
+                        </m:r>
+                      </m:e>
+                      <m:sup>
+                        <m:r>
+                          <a:rPr lang="en-US" altLang="ko-KR" sz="2000" i="1">
+                            <a:latin typeface="Cambria Math" panose="02040503050406030204" pitchFamily="18" charset="0"/>
+                          </a:rPr>
+                          <m:t>2</m:t>
+                        </m:r>
+                      </m:sup>
+                    </m:sSup>
+                    <m:r>
+                      <a:rPr lang="en-US" altLang="ko-KR" sz="2000" b="0" i="0" smtClean="0">
+                        <a:latin typeface="Cambria Math" panose="02040503050406030204" pitchFamily="18" charset="0"/>
+                      </a:rPr>
+                      <m:t>=</m:t>
+                    </m:r>
+                    <m:sSub>
+                      <m:sSubPr>
+                        <m:ctrlPr>
+                          <a:rPr lang="en-US" altLang="ko-KR" sz="2000" b="0" i="1" smtClean="0">
+                            <a:latin typeface="Cambria Math" panose="02040503050406030204" pitchFamily="18" charset="0"/>
+                          </a:rPr>
+                        </m:ctrlPr>
+                      </m:sSubPr>
+                      <m:e>
+                        <m:r>
+                          <m:rPr>
+                            <m:sty m:val="p"/>
+                          </m:rPr>
+                          <a:rPr lang="en-US" altLang="ko-KR" sz="2000">
+                            <a:latin typeface="Cambria Math" panose="02040503050406030204" pitchFamily="18" charset="0"/>
+                          </a:rPr>
+                          <m:t>k</m:t>
+                        </m:r>
+                      </m:e>
+                      <m:sub>
+                        <m:r>
+                          <a:rPr lang="en-US" altLang="ko-KR" sz="2000" b="0" i="1" smtClean="0">
+                            <a:latin typeface="Cambria Math" panose="02040503050406030204" pitchFamily="18" charset="0"/>
+                          </a:rPr>
+                          <m:t>1</m:t>
+                        </m:r>
+                      </m:sub>
+                    </m:sSub>
+                    <m:r>
+                      <a:rPr lang="en-US" altLang="ko-KR" sz="2000" b="0" i="1" smtClean="0">
+                        <a:latin typeface="Cambria Math" panose="02040503050406030204" pitchFamily="18" charset="0"/>
+                      </a:rPr>
+                      <m:t>(</m:t>
+                    </m:r>
+                    <m:nary>
+                      <m:naryPr>
+                        <m:chr m:val="∑"/>
+                        <m:subHide m:val="on"/>
+                        <m:supHide m:val="on"/>
+                        <m:ctrlPr>
+                          <a:rPr lang="en-US" altLang="ko-KR" sz="2000" i="1">
+                            <a:latin typeface="Cambria Math" panose="02040503050406030204" pitchFamily="18" charset="0"/>
+                          </a:rPr>
+                        </m:ctrlPr>
+                      </m:naryPr>
+                      <m:sub/>
+                      <m:sup/>
+                      <m:e>
+                        <m:sSup>
+                          <m:sSupPr>
+                            <m:ctrlPr>
+                              <a:rPr lang="en-US" altLang="ko-KR" sz="2000" i="1">
+                                <a:latin typeface="Cambria Math" panose="02040503050406030204" pitchFamily="18" charset="0"/>
+                              </a:rPr>
+                            </m:ctrlPr>
+                          </m:sSupPr>
+                          <m:e>
+                            <m:sSub>
+                              <m:sSubPr>
+                                <m:ctrlPr>
+                                  <a:rPr lang="ko-KR" altLang="en-US" sz="2000" i="1">
+                                    <a:latin typeface="Cambria Math" panose="02040503050406030204" pitchFamily="18" charset="0"/>
+                                  </a:rPr>
+                                </m:ctrlPr>
+                              </m:sSubPr>
+                              <m:e>
+                                <m:r>
+                                  <a:rPr lang="en-US" altLang="ko-KR" sz="2000" i="1">
+                                    <a:latin typeface="Cambria Math" panose="02040503050406030204" pitchFamily="18" charset="0"/>
+                                  </a:rPr>
+                                  <m:t>𝑥</m:t>
+                                </m:r>
+                              </m:e>
+                              <m:sub>
+                                <m:r>
+                                  <a:rPr lang="en-US" altLang="ko-KR" sz="2000" i="1">
+                                    <a:latin typeface="Cambria Math" panose="02040503050406030204" pitchFamily="18" charset="0"/>
+                                  </a:rPr>
+                                  <m:t>𝑖</m:t>
+                                </m:r>
+                              </m:sub>
+                            </m:sSub>
+                          </m:e>
+                          <m:sup>
+                            <m:r>
+                              <a:rPr lang="en-US" altLang="ko-KR" sz="2000" i="1">
+                                <a:latin typeface="Cambria Math" panose="02040503050406030204" pitchFamily="18" charset="0"/>
+                              </a:rPr>
+                              <m:t>2</m:t>
+                            </m:r>
+                          </m:sup>
+                        </m:sSup>
+                      </m:e>
+                    </m:nary>
+                    <m:r>
+                      <a:rPr lang="en-US" altLang="ko-KR" sz="2000" b="0" i="1" smtClean="0">
+                        <a:latin typeface="Cambria Math" panose="02040503050406030204" pitchFamily="18" charset="0"/>
+                      </a:rPr>
+                      <m:t>)</m:t>
+                    </m:r>
+                  </m:oMath>
+                </a14:m>
+                <a:r>
+                  <a:rPr lang="en-US" altLang="ko-KR" sz="2000" b="0" dirty="0">
+                    <a:latin typeface="+mn-ea"/>
+                  </a:rPr>
+                  <a:t> , </a:t>
+                </a:r>
+                <a14:m>
+                  <m:oMath xmlns:m="http://schemas.openxmlformats.org/officeDocument/2006/math">
+                    <m:sSup>
+                      <m:sSupPr>
+                        <m:ctrlPr>
+                          <a:rPr lang="en-US" altLang="ko-KR" sz="2000" i="1">
+                            <a:latin typeface="Cambria Math" panose="02040503050406030204" pitchFamily="18" charset="0"/>
+                          </a:rPr>
+                        </m:ctrlPr>
+                      </m:sSupPr>
+                      <m:e>
+                        <m:r>
+                          <a:rPr lang="ko-KR" altLang="en-US" sz="2000" i="1">
+                            <a:latin typeface="Cambria Math" panose="02040503050406030204" pitchFamily="18" charset="0"/>
+                          </a:rPr>
+                          <m:t>𝜎</m:t>
+                        </m:r>
+                        <m:r>
+                          <a:rPr lang="en-US" altLang="ko-KR" sz="2000" i="1">
+                            <a:latin typeface="Cambria Math" panose="02040503050406030204" pitchFamily="18" charset="0"/>
+                          </a:rPr>
+                          <m:t>′</m:t>
+                        </m:r>
+                      </m:e>
+                      <m:sup>
+                        <m:r>
+                          <a:rPr lang="en-US" altLang="ko-KR" sz="2000" i="1">
+                            <a:latin typeface="Cambria Math" panose="02040503050406030204" pitchFamily="18" charset="0"/>
+                          </a:rPr>
+                          <m:t>2</m:t>
+                        </m:r>
+                      </m:sup>
+                    </m:sSup>
+                  </m:oMath>
+                </a14:m>
+                <a:r>
+                  <a:rPr lang="en-US" altLang="ko-KR" sz="2000" dirty="0">
+                    <a:latin typeface="+mn-ea"/>
+                  </a:rPr>
+                  <a:t>=</a:t>
+                </a:r>
+                <a:r>
+                  <a:rPr lang="en-US" altLang="ko-KR" sz="2000" dirty="0"/>
+                  <a:t> </a:t>
+                </a:r>
+                <a14:m>
+                  <m:oMath xmlns:m="http://schemas.openxmlformats.org/officeDocument/2006/math">
+                    <m:sSub>
+                      <m:sSubPr>
+                        <m:ctrlPr>
+                          <a:rPr lang="en-US" altLang="ko-KR" sz="2000" i="1">
+                            <a:latin typeface="Cambria Math" panose="02040503050406030204" pitchFamily="18" charset="0"/>
+                          </a:rPr>
+                        </m:ctrlPr>
+                      </m:sSubPr>
+                      <m:e>
+                        <m:r>
+                          <m:rPr>
+                            <m:sty m:val="p"/>
+                          </m:rPr>
+                          <a:rPr lang="en-US" altLang="ko-KR" sz="2000">
+                            <a:latin typeface="Cambria Math" panose="02040503050406030204" pitchFamily="18" charset="0"/>
+                          </a:rPr>
+                          <m:t>k</m:t>
+                        </m:r>
+                      </m:e>
+                      <m:sub>
+                        <m:r>
+                          <a:rPr lang="en-US" altLang="ko-KR" sz="2000" b="0" i="1" smtClean="0">
+                            <a:latin typeface="Cambria Math" panose="02040503050406030204" pitchFamily="18" charset="0"/>
+                          </a:rPr>
+                          <m:t>2</m:t>
+                        </m:r>
+                      </m:sub>
+                    </m:sSub>
+                    <m:r>
+                      <a:rPr lang="en-US" altLang="ko-KR" sz="2000" i="1">
+                        <a:latin typeface="Cambria Math" panose="02040503050406030204" pitchFamily="18" charset="0"/>
+                      </a:rPr>
+                      <m:t>(</m:t>
+                    </m:r>
+                    <m:nary>
+                      <m:naryPr>
+                        <m:chr m:val="∑"/>
+                        <m:subHide m:val="on"/>
+                        <m:supHide m:val="on"/>
+                        <m:ctrlPr>
+                          <a:rPr lang="en-US" altLang="ko-KR" sz="2000" i="1">
+                            <a:latin typeface="Cambria Math" panose="02040503050406030204" pitchFamily="18" charset="0"/>
+                          </a:rPr>
+                        </m:ctrlPr>
+                      </m:naryPr>
+                      <m:sub/>
+                      <m:sup/>
+                      <m:e>
+                        <m:sSup>
+                          <m:sSupPr>
+                            <m:ctrlPr>
+                              <a:rPr lang="en-US" altLang="ko-KR" sz="2000" i="1">
+                                <a:latin typeface="Cambria Math" panose="02040503050406030204" pitchFamily="18" charset="0"/>
+                              </a:rPr>
+                            </m:ctrlPr>
+                          </m:sSupPr>
+                          <m:e>
+                            <m:sSub>
+                              <m:sSubPr>
+                                <m:ctrlPr>
+                                  <a:rPr lang="ko-KR" altLang="en-US" sz="2000" i="1">
+                                    <a:latin typeface="Cambria Math" panose="02040503050406030204" pitchFamily="18" charset="0"/>
+                                  </a:rPr>
+                                </m:ctrlPr>
+                              </m:sSubPr>
+                              <m:e>
+                                <m:r>
+                                  <a:rPr lang="en-US" altLang="ko-KR" sz="2000" i="1">
+                                    <a:latin typeface="Cambria Math" panose="02040503050406030204" pitchFamily="18" charset="0"/>
+                                  </a:rPr>
+                                  <m:t>𝑥</m:t>
+                                </m:r>
+                              </m:e>
+                              <m:sub>
+                                <m:r>
+                                  <a:rPr lang="en-US" altLang="ko-KR" sz="2000" i="1">
+                                    <a:latin typeface="Cambria Math" panose="02040503050406030204" pitchFamily="18" charset="0"/>
+                                  </a:rPr>
+                                  <m:t>𝑖</m:t>
+                                </m:r>
+                              </m:sub>
+                            </m:sSub>
+                          </m:e>
+                          <m:sup>
+                            <m:r>
+                              <a:rPr lang="en-US" altLang="ko-KR" sz="2000" i="1">
+                                <a:latin typeface="Cambria Math" panose="02040503050406030204" pitchFamily="18" charset="0"/>
+                              </a:rPr>
+                              <m:t>2</m:t>
+                            </m:r>
+                          </m:sup>
+                        </m:sSup>
+                      </m:e>
+                    </m:nary>
+                    <m:r>
+                      <a:rPr lang="en-US" altLang="ko-KR" sz="2000" i="1">
+                        <a:latin typeface="Cambria Math" panose="02040503050406030204" pitchFamily="18" charset="0"/>
+                      </a:rPr>
+                      <m:t>)</m:t>
+                    </m:r>
+                  </m:oMath>
+                </a14:m>
+                <a:r>
+                  <a:rPr lang="en-US" altLang="ko-KR" sz="2000" dirty="0">
+                    <a:latin typeface="+mn-ea"/>
+                  </a:rPr>
+                  <a:t> </a:t>
+                </a:r>
+                <a:r>
+                  <a:rPr lang="ko-KR" altLang="en-US" sz="2000" dirty="0">
+                    <a:latin typeface="+mn-ea"/>
+                  </a:rPr>
+                  <a:t>이다</a:t>
+                </a:r>
+                <a:r>
+                  <a:rPr lang="en-US" altLang="ko-KR" sz="2000" dirty="0">
+                    <a:latin typeface="+mn-ea"/>
+                  </a:rPr>
+                  <a:t>.</a:t>
+                </a:r>
+              </a:p>
+              <a:p>
                 <a:pPr marL="457200" indent="-457200">
                   <a:buAutoNum type="arabicParenR" startAt="4"/>
                 </a:pPr>
@@ -16569,140 +17091,116 @@
                       </a:rPr>
                       <m:t>=</m:t>
                     </m:r>
-                    <m:r>
-                      <m:rPr>
-                        <m:sty m:val="p"/>
-                      </m:rPr>
-                      <a:rPr lang="en-US" altLang="ko-KR" sz="2000" b="0" i="0" smtClean="0">
-                        <a:latin typeface="Cambria Math" panose="02040503050406030204" pitchFamily="18" charset="0"/>
-                      </a:rPr>
-                      <m:t>g</m:t>
-                    </m:r>
-                    <m:d>
-                      <m:dPr>
+                    <m:f>
+                      <m:fPr>
                         <m:ctrlPr>
-                          <a:rPr lang="en-US" altLang="ko-KR" sz="2000" b="0" i="0" smtClean="0">
+                          <a:rPr lang="en-US" altLang="ko-KR" sz="2000" i="1">
                             <a:latin typeface="Cambria Math" panose="02040503050406030204" pitchFamily="18" charset="0"/>
                           </a:rPr>
                         </m:ctrlPr>
-                      </m:dPr>
-                      <m:e>
-                        <m:r>
-                          <m:rPr>
-                            <m:sty m:val="p"/>
-                          </m:rPr>
-                          <a:rPr lang="en-US" altLang="ko-KR" sz="2000" b="0" i="0" smtClean="0">
-                            <a:latin typeface="Cambria Math" panose="02040503050406030204" pitchFamily="18" charset="0"/>
-                          </a:rPr>
-                          <m:t>y</m:t>
-                        </m:r>
-                      </m:e>
-                    </m:d>
-                  </m:oMath>
-                </a14:m>
-                <a:r>
-                  <a:rPr lang="en-US" altLang="ko-KR" sz="2000" b="0" dirty="0">
-                    <a:ea typeface="Cambria Math" panose="02040503050406030204" pitchFamily="18" charset="0"/>
-                  </a:rPr>
-                  <a:t> = </a:t>
-                </a:r>
-                <a14:m>
-                  <m:oMath xmlns:m="http://schemas.openxmlformats.org/officeDocument/2006/math">
+                      </m:fPr>
+                      <m:num>
+                        <m:sSub>
+                          <m:sSubPr>
+                            <m:ctrlPr>
+                              <a:rPr lang="en-US" altLang="ko-KR" sz="2000" i="1">
+                                <a:latin typeface="Cambria Math" panose="02040503050406030204" pitchFamily="18" charset="0"/>
+                              </a:rPr>
+                            </m:ctrlPr>
+                          </m:sSubPr>
+                          <m:e>
+                            <m:r>
+                              <m:rPr>
+                                <m:sty m:val="p"/>
+                              </m:rPr>
+                              <a:rPr lang="en-US" altLang="ko-KR" sz="2000">
+                                <a:latin typeface="Cambria Math" panose="02040503050406030204" pitchFamily="18" charset="0"/>
+                              </a:rPr>
+                              <m:t>k</m:t>
+                            </m:r>
+                          </m:e>
+                          <m:sub>
+                            <m:r>
+                              <a:rPr lang="en-US" altLang="ko-KR" sz="2000" i="1">
+                                <a:latin typeface="Cambria Math" panose="02040503050406030204" pitchFamily="18" charset="0"/>
+                              </a:rPr>
+                              <m:t>1</m:t>
+                            </m:r>
+                          </m:sub>
+                        </m:sSub>
+                        <m:r>
+                          <a:rPr lang="en-US" altLang="ko-KR" sz="2000" i="1">
+                            <a:latin typeface="Cambria Math" panose="02040503050406030204" pitchFamily="18" charset="0"/>
+                          </a:rPr>
+                          <m:t>(</m:t>
+                        </m:r>
+                        <m:r>
+                          <a:rPr lang="en-US" altLang="ko-KR" sz="2000" b="0" i="1" smtClean="0">
+                            <a:latin typeface="Cambria Math" panose="02040503050406030204" pitchFamily="18" charset="0"/>
+                          </a:rPr>
+                          <m:t>𝑌</m:t>
+                        </m:r>
+                        <m:r>
+                          <a:rPr lang="en-US" altLang="ko-KR" sz="2000" i="1">
+                            <a:latin typeface="Cambria Math" panose="02040503050406030204" pitchFamily="18" charset="0"/>
+                          </a:rPr>
+                          <m:t>)</m:t>
+                        </m:r>
+                      </m:num>
+                      <m:den>
+                        <m:sSub>
+                          <m:sSubPr>
+                            <m:ctrlPr>
+                              <a:rPr lang="en-US" altLang="ko-KR" sz="2000" i="1">
+                                <a:latin typeface="Cambria Math" panose="02040503050406030204" pitchFamily="18" charset="0"/>
+                              </a:rPr>
+                            </m:ctrlPr>
+                          </m:sSubPr>
+                          <m:e>
+                            <m:r>
+                              <m:rPr>
+                                <m:sty m:val="p"/>
+                              </m:rPr>
+                              <a:rPr lang="en-US" altLang="ko-KR" sz="2000">
+                                <a:latin typeface="Cambria Math" panose="02040503050406030204" pitchFamily="18" charset="0"/>
+                              </a:rPr>
+                              <m:t>k</m:t>
+                            </m:r>
+                          </m:e>
+                          <m:sub>
+                            <m:r>
+                              <a:rPr lang="en-US" altLang="ko-KR" sz="2000" i="1">
+                                <a:latin typeface="Cambria Math" panose="02040503050406030204" pitchFamily="18" charset="0"/>
+                              </a:rPr>
+                              <m:t>2</m:t>
+                            </m:r>
+                          </m:sub>
+                        </m:sSub>
+                        <m:r>
+                          <a:rPr lang="en-US" altLang="ko-KR" sz="2000" i="1">
+                            <a:latin typeface="Cambria Math" panose="02040503050406030204" pitchFamily="18" charset="0"/>
+                          </a:rPr>
+                          <m:t>(</m:t>
+                        </m:r>
+                        <m:r>
+                          <a:rPr lang="en-US" altLang="ko-KR" sz="2000" b="0" i="1" smtClean="0">
+                            <a:latin typeface="Cambria Math" panose="02040503050406030204" pitchFamily="18" charset="0"/>
+                          </a:rPr>
+                          <m:t>𝑌</m:t>
+                        </m:r>
+                        <m:r>
+                          <a:rPr lang="en-US" altLang="ko-KR" sz="2000" i="1">
+                            <a:latin typeface="Cambria Math" panose="02040503050406030204" pitchFamily="18" charset="0"/>
+                          </a:rPr>
+                          <m:t>)</m:t>
+                        </m:r>
+                      </m:den>
+                    </m:f>
                     <m:r>
                       <a:rPr lang="en-US" altLang="ko-KR" sz="2000" b="0" i="1" smtClean="0">
                         <a:latin typeface="Cambria Math" panose="02040503050406030204" pitchFamily="18" charset="0"/>
-                        <a:ea typeface="Cambria Math" panose="02040503050406030204" pitchFamily="18" charset="0"/>
                       </a:rPr>
-                      <m:t>𝛬</m:t>
-                    </m:r>
-                  </m:oMath>
-                </a14:m>
-                <a:r>
-                  <a:rPr lang="en-US" altLang="ko-KR" sz="2000" b="0" dirty="0">
-                    <a:ea typeface="Cambria Math" panose="02040503050406030204" pitchFamily="18" charset="0"/>
-                  </a:rPr>
-                  <a:t> </a:t>
-                </a:r>
-                <a:r>
-                  <a:rPr lang="ko-KR" altLang="en-US" sz="2000" dirty="0">
-                    <a:latin typeface="+mn-ea"/>
-                  </a:rPr>
-                  <a:t>에서 </a:t>
-                </a:r>
-                <a:r>
-                  <a:rPr lang="en-US" altLang="ko-KR" sz="2000" dirty="0">
-                    <a:latin typeface="+mn-ea"/>
-                  </a:rPr>
-                  <a:t>y</a:t>
-                </a:r>
-                <a:r>
-                  <a:rPr lang="ko-KR" altLang="en-US" sz="2000" dirty="0">
-                    <a:latin typeface="+mn-ea"/>
-                  </a:rPr>
-                  <a:t>는 결합 정규분포에 대한 </a:t>
-                </a:r>
-                <a:r>
-                  <a:rPr lang="ko-KR" altLang="en-US" sz="2000" dirty="0" err="1">
-                    <a:latin typeface="+mn-ea"/>
-                  </a:rPr>
-                  <a:t>충분통계량이고</a:t>
-                </a:r>
-                <a:r>
-                  <a:rPr lang="en-US" altLang="ko-KR" sz="2000" dirty="0">
-                    <a:latin typeface="+mn-ea"/>
-                  </a:rPr>
-                  <a:t>, </a:t>
-                </a:r>
-                <a:br>
-                  <a:rPr lang="en-US" altLang="ko-KR" sz="2000" dirty="0">
-                    <a:latin typeface="+mn-ea"/>
-                  </a:rPr>
-                </a:br>
-                <a:r>
-                  <a:rPr lang="ko-KR" altLang="en-US" sz="2000" dirty="0">
-                    <a:latin typeface="+mn-ea"/>
-                  </a:rPr>
-                  <a:t>이 함수를 이용한 </a:t>
-                </a:r>
-                <a:r>
-                  <a:rPr lang="ko-KR" altLang="en-US" sz="2000" dirty="0" err="1">
-                    <a:latin typeface="+mn-ea"/>
-                  </a:rPr>
-                  <a:t>최량기각역을</a:t>
-                </a:r>
-                <a:r>
-                  <a:rPr lang="ko-KR" altLang="en-US" sz="2000" dirty="0">
-                    <a:latin typeface="+mn-ea"/>
-                  </a:rPr>
-                  <a:t> 정의하면</a:t>
-                </a:r>
-                <a:r>
-                  <a:rPr lang="en-US" altLang="ko-KR" sz="2000" dirty="0">
-                    <a:latin typeface="+mn-ea"/>
-                  </a:rPr>
-                  <a:t> </a:t>
-                </a:r>
-              </a:p>
-              <a:p>
-                <a:pPr marL="457200" indent="-457200">
-                  <a:buAutoNum type="arabicParenBoth"/>
-                </a:pPr>
-                <a14:m>
-                  <m:oMath xmlns:m="http://schemas.openxmlformats.org/officeDocument/2006/math">
-                    <m:r>
-                      <m:rPr>
-                        <m:sty m:val="p"/>
-                      </m:rPr>
-                      <a:rPr lang="en-US" altLang="ko-KR" sz="2000" b="0" i="0" smtClean="0">
-                        <a:latin typeface="Cambria Math" panose="02040503050406030204" pitchFamily="18" charset="0"/>
-                      </a:rPr>
-                      <m:t>p</m:t>
-                    </m:r>
-                    <m:r>
-                      <a:rPr lang="en-US" altLang="ko-KR" sz="2000" b="0" i="0" smtClean="0">
-                        <a:latin typeface="Cambria Math" panose="02040503050406030204" pitchFamily="18" charset="0"/>
-                      </a:rPr>
-                      <m:t>[</m:t>
+                      <m:t>= </m:t>
                     </m:r>
                     <m:r>
                       <m:rPr>
@@ -16729,7 +17227,156 @@
                           <a:rPr lang="en-US" altLang="ko-KR" sz="2000" b="0" i="0" smtClean="0">
                             <a:latin typeface="Cambria Math" panose="02040503050406030204" pitchFamily="18" charset="0"/>
                           </a:rPr>
-                          <m:t>y</m:t>
+                          <m:t>Y</m:t>
+                        </m:r>
+                      </m:e>
+                    </m:d>
+                  </m:oMath>
+                </a14:m>
+                <a:r>
+                  <a:rPr lang="en-US" altLang="ko-KR" sz="2000" b="0" dirty="0">
+                    <a:ea typeface="Cambria Math" panose="02040503050406030204" pitchFamily="18" charset="0"/>
+                  </a:rPr>
+                  <a:t> = </a:t>
+                </a:r>
+                <a14:m>
+                  <m:oMath xmlns:m="http://schemas.openxmlformats.org/officeDocument/2006/math">
+                    <m:r>
+                      <a:rPr lang="en-US" altLang="ko-KR" sz="2000" b="0" i="1" smtClean="0">
+                        <a:latin typeface="Cambria Math" panose="02040503050406030204" pitchFamily="18" charset="0"/>
+                        <a:ea typeface="Cambria Math" panose="02040503050406030204" pitchFamily="18" charset="0"/>
+                      </a:rPr>
+                      <m:t>𝛬</m:t>
+                    </m:r>
+                  </m:oMath>
+                </a14:m>
+                <a:r>
+                  <a:rPr lang="en-US" altLang="ko-KR" sz="2000" b="0" dirty="0">
+                    <a:ea typeface="Cambria Math" panose="02040503050406030204" pitchFamily="18" charset="0"/>
+                  </a:rPr>
+                  <a:t> </a:t>
+                </a:r>
+                <a:r>
+                  <a:rPr lang="ko-KR" altLang="en-US" sz="2000" dirty="0">
+                    <a:latin typeface="+mn-ea"/>
+                  </a:rPr>
+                  <a:t>에서 </a:t>
+                </a:r>
+                <a:r>
+                  <a:rPr lang="en-US" altLang="ko-KR" sz="2000" dirty="0">
+                    <a:latin typeface="+mn-ea"/>
+                  </a:rPr>
+                  <a:t>Y</a:t>
+                </a:r>
+                <a:r>
+                  <a:rPr lang="ko-KR" altLang="en-US" sz="2000" dirty="0">
+                    <a:latin typeface="+mn-ea"/>
+                  </a:rPr>
+                  <a:t>는 결합 정규분포에 대한 </a:t>
+                </a:r>
+                <a:r>
+                  <a:rPr lang="ko-KR" altLang="en-US" sz="2000" dirty="0" err="1">
+                    <a:latin typeface="+mn-ea"/>
+                  </a:rPr>
+                  <a:t>충분통계량이고</a:t>
+                </a:r>
+                <a:r>
+                  <a:rPr lang="en-US" altLang="ko-KR" sz="2000" dirty="0">
+                    <a:latin typeface="+mn-ea"/>
+                  </a:rPr>
+                  <a:t>,</a:t>
+                </a:r>
+                <a:br>
+                  <a:rPr lang="en-US" altLang="ko-KR" sz="2000" dirty="0">
+                    <a:latin typeface="+mn-ea"/>
+                  </a:rPr>
+                </a:br>
+                <a:r>
+                  <a:rPr lang="en-US" altLang="ko-KR" sz="2000" dirty="0">
+                    <a:latin typeface="+mn-ea"/>
+                  </a:rPr>
+                  <a:t> </a:t>
+                </a:r>
+                <a:br>
+                  <a:rPr lang="en-US" altLang="ko-KR" sz="2000" dirty="0">
+                    <a:latin typeface="+mn-ea"/>
+                  </a:rPr>
+                </a:br>
+                <a:r>
+                  <a:rPr lang="ko-KR" altLang="en-US" sz="2000" dirty="0">
+                    <a:latin typeface="+mn-ea"/>
+                  </a:rPr>
+                  <a:t>이 함수를 이용한 </a:t>
+                </a:r>
+                <a:r>
+                  <a:rPr lang="ko-KR" altLang="en-US" sz="2000" dirty="0" err="1">
+                    <a:latin typeface="+mn-ea"/>
+                  </a:rPr>
+                  <a:t>최량기각역을</a:t>
+                </a:r>
+                <a:r>
+                  <a:rPr lang="ko-KR" altLang="en-US" sz="2000" dirty="0">
+                    <a:latin typeface="+mn-ea"/>
+                  </a:rPr>
+                  <a:t> 정의하면</a:t>
+                </a:r>
+                <a:r>
+                  <a:rPr lang="en-US" altLang="ko-KR" sz="2000" dirty="0">
+                    <a:latin typeface="+mn-ea"/>
+                  </a:rPr>
+                  <a:t> </a:t>
+                </a:r>
+              </a:p>
+              <a:p>
+                <a:pPr marL="457200" indent="-457200">
+                  <a:buAutoNum type="arabicParenBoth"/>
+                </a:pPr>
+                <a14:m>
+                  <m:oMath xmlns:m="http://schemas.openxmlformats.org/officeDocument/2006/math">
+                    <m:r>
+                      <m:rPr>
+                        <m:sty m:val="p"/>
+                      </m:rPr>
+                      <a:rPr lang="en-US" altLang="ko-KR" sz="2000" b="0" i="1" smtClean="0">
+                        <a:latin typeface="Cambria Math" panose="02040503050406030204" pitchFamily="18" charset="0"/>
+                      </a:rPr>
+                      <m:t>P</m:t>
+                    </m:r>
+                    <m:r>
+                      <a:rPr lang="en-US" altLang="ko-KR" sz="2000" b="0" i="0" smtClean="0">
+                        <a:latin typeface="Cambria Math" panose="02040503050406030204" pitchFamily="18" charset="0"/>
+                      </a:rPr>
+                      <m:t>[</m:t>
+                    </m:r>
+                    <m:r>
+                      <m:rPr>
+                        <m:sty m:val="p"/>
+                      </m:rPr>
+                      <a:rPr lang="en-US" altLang="ko-KR" sz="2000" b="0" i="0" smtClean="0">
+                        <a:solidFill>
+                          <a:srgbClr val="FF0000"/>
+                        </a:solidFill>
+                        <a:latin typeface="Cambria Math" panose="02040503050406030204" pitchFamily="18" charset="0"/>
+                      </a:rPr>
+                      <m:t>g</m:t>
+                    </m:r>
+                    <m:d>
+                      <m:dPr>
+                        <m:ctrlPr>
+                          <a:rPr lang="en-US" altLang="ko-KR" sz="2000" b="0" i="1" smtClean="0">
+                            <a:latin typeface="Cambria Math" panose="02040503050406030204" pitchFamily="18" charset="0"/>
+                          </a:rPr>
+                        </m:ctrlPr>
+                      </m:dPr>
+                      <m:e>
+                        <m:r>
+                          <m:rPr>
+                            <m:sty m:val="p"/>
+                          </m:rPr>
+                          <a:rPr lang="en-US" altLang="ko-KR" sz="2000" b="0" i="0" smtClean="0">
+                            <a:latin typeface="Cambria Math" panose="02040503050406030204" pitchFamily="18" charset="0"/>
+                          </a:rPr>
+                          <m:t>Y</m:t>
                         </m:r>
                       </m:e>
                     </m:d>
@@ -16783,16 +17430,83 @@
                   </a:rPr>
                   <a:t>에서 </a:t>
                 </a:r>
+                <a:r>
+                  <a:rPr lang="en-US" altLang="ko-KR" sz="2000" dirty="0">
+                    <a:latin typeface="+mn-ea"/>
+                  </a:rPr>
+                  <a:t>g</a:t>
+                </a:r>
+                <a:r>
+                  <a:rPr lang="ko-KR" altLang="en-US" sz="2000" dirty="0">
+                    <a:latin typeface="+mn-ea"/>
+                  </a:rPr>
+                  <a:t>의 </a:t>
+                </a:r>
+                <a:r>
+                  <a:rPr lang="ko-KR" altLang="en-US" sz="2000" b="1" u="sng" dirty="0">
+                    <a:latin typeface="+mn-ea"/>
+                  </a:rPr>
+                  <a:t>부분적인 역함수</a:t>
+                </a:r>
+                <a:r>
+                  <a:rPr lang="ko-KR" altLang="en-US" sz="2000" dirty="0">
+                    <a:latin typeface="+mn-ea"/>
+                  </a:rPr>
+                  <a:t>를 </a:t>
+                </a:r>
+                <a14:m>
+                  <m:oMath xmlns:m="http://schemas.openxmlformats.org/officeDocument/2006/math">
+                    <m:sSup>
+                      <m:sSupPr>
+                        <m:ctrlPr>
+                          <a:rPr lang="en-US" altLang="ko-KR" sz="2000" i="1">
+                            <a:latin typeface="Cambria Math" panose="02040503050406030204" pitchFamily="18" charset="0"/>
+                          </a:rPr>
+                        </m:ctrlPr>
+                      </m:sSupPr>
+                      <m:e>
+                        <m:r>
+                          <a:rPr lang="en-US" altLang="ko-KR" sz="2000" i="1">
+                            <a:latin typeface="Cambria Math" panose="02040503050406030204" pitchFamily="18" charset="0"/>
+                          </a:rPr>
+                          <m:t>𝑔</m:t>
+                        </m:r>
+                      </m:e>
+                      <m:sup>
+                        <m:r>
+                          <a:rPr lang="en-US" altLang="ko-KR" sz="2000" i="1">
+                            <a:latin typeface="Cambria Math" panose="02040503050406030204" pitchFamily="18" charset="0"/>
+                          </a:rPr>
+                          <m:t>−1</m:t>
+                        </m:r>
+                      </m:sup>
+                    </m:sSup>
+                  </m:oMath>
+                </a14:m>
+                <a:r>
+                  <a:rPr lang="ko-KR" altLang="en-US" sz="2000" dirty="0">
+                    <a:latin typeface="+mn-ea"/>
+                  </a:rPr>
+                  <a:t>로 정의하면</a:t>
+                </a:r>
+                <a:endParaRPr lang="en-US" altLang="ko-KR" sz="2000" dirty="0">
+                  <a:latin typeface="+mn-ea"/>
+                </a:endParaRPr>
+              </a:p>
+              <a:p>
+                <a:pPr marL="457200" indent="-457200">
+                  <a:buAutoNum type="arabicParenBoth"/>
+                </a:pPr>
                 <a14:m>
                   <m:oMath xmlns:m="http://schemas.openxmlformats.org/officeDocument/2006/math">
                     <m:r>
                       <m:rPr>
                         <m:sty m:val="p"/>
                       </m:rPr>
-                      <a:rPr lang="en-US" altLang="ko-KR" sz="2000" b="0" i="0" smtClean="0">
+                      <a:rPr lang="en-US" altLang="ko-KR" sz="2000" b="0" i="1" smtClean="0">
                         <a:latin typeface="Cambria Math" panose="02040503050406030204" pitchFamily="18" charset="0"/>
                       </a:rPr>
-                      <m:t>p</m:t>
+                      <m:t>P</m:t>
                     </m:r>
                     <m:r>
                       <a:rPr lang="en-US" altLang="ko-KR" sz="2000" b="0" i="0" smtClean="0">
@@ -16804,16 +17518,46 @@
                       <m:rPr>
                         <m:sty m:val="p"/>
                       </m:rPr>
+                      <a:rPr lang="en-US" altLang="ko-KR" sz="2000">
+                        <a:solidFill>
+                          <a:srgbClr val="FF0000"/>
+                        </a:solidFill>
+                        <a:latin typeface="Cambria Math" panose="02040503050406030204" pitchFamily="18" charset="0"/>
+                      </a:rPr>
+                      <m:t>g</m:t>
+                    </m:r>
+                    <m:r>
+                      <a:rPr lang="en-US" altLang="ko-KR" sz="2000" b="0" i="0" smtClean="0">
+                        <a:solidFill>
+                          <a:srgbClr val="FF0000"/>
+                        </a:solidFill>
+                        <a:latin typeface="Cambria Math" panose="02040503050406030204" pitchFamily="18" charset="0"/>
+                      </a:rPr>
+                      <m:t>′</m:t>
+                    </m:r>
+                    <m:r>
+                      <a:rPr lang="en-US" altLang="ko-KR" sz="2000" b="0" i="0" smtClean="0">
+                        <a:solidFill>
+                          <a:schemeClr val="tx1"/>
+                        </a:solidFill>
+                        <a:latin typeface="Cambria Math" panose="02040503050406030204" pitchFamily="18" charset="0"/>
+                      </a:rPr>
+                      <m:t>(</m:t>
+                    </m:r>
+                    <m:r>
+                      <m:rPr>
+                        <m:sty m:val="p"/>
+                      </m:rPr>
                       <a:rPr lang="en-US" altLang="ko-KR" sz="2000" b="0" i="0" smtClean="0">
                         <a:latin typeface="Cambria Math" panose="02040503050406030204" pitchFamily="18" charset="0"/>
                       </a:rPr>
-                      <m:t>y</m:t>
+                      <m:t>Y</m:t>
                     </m:r>
                     <m:r>
                       <a:rPr lang="en-US" altLang="ko-KR" sz="2000" b="0" i="0" smtClean="0">
                         <a:latin typeface="Cambria Math" panose="02040503050406030204" pitchFamily="18" charset="0"/>
                       </a:rPr>
-                      <m:t>=</m:t>
+                      <m:t>)=</m:t>
                     </m:r>
                     <m:sSup>
                       <m:sSupPr>
@@ -16905,6 +17649,9 @@
                       <m:sSupPr>
                         <m:ctrlPr>
                           <a:rPr lang="en-US" altLang="ko-KR" sz="2000" b="0" i="1" smtClean="0">
+                            <a:solidFill>
+                              <a:srgbClr val="0070C0"/>
+                            </a:solidFill>
                             <a:latin typeface="Cambria Math" panose="02040503050406030204" pitchFamily="18" charset="0"/>
                           </a:rPr>
                         </m:ctrlPr>
@@ -16912,6 +17659,9 @@
                       <m:e>
                         <m:r>
                           <a:rPr lang="en-US" altLang="ko-KR" sz="2000" i="1" smtClean="0">
+                            <a:solidFill>
+                              <a:srgbClr val="0070C0"/>
+                            </a:solidFill>
                             <a:latin typeface="Cambria Math" panose="02040503050406030204" pitchFamily="18" charset="0"/>
                           </a:rPr>
                           <m:t>𝑔</m:t>
@@ -16920,6 +17670,9 @@
                       <m:sup>
                         <m:r>
                           <a:rPr lang="en-US" altLang="ko-KR" sz="2000" b="0" i="1" smtClean="0">
+                            <a:solidFill>
+                              <a:srgbClr val="0070C0"/>
+                            </a:solidFill>
                             <a:latin typeface="Cambria Math" panose="02040503050406030204" pitchFamily="18" charset="0"/>
                           </a:rPr>
                           <m:t>−1</m:t>
@@ -16987,7 +17740,7 @@
               <a:blipFill>
                 <a:blip r:embed="rId2"/>
                 <a:stretch>
-                  <a:fillRect l="-638" t="-1401"/>
+                  <a:fillRect l="-638" t="-2101" b="-1681"/>
                 </a:stretch>
               </a:blipFill>
             </p:spPr>
@@ -17133,10 +17886,46 @@
                       </m:sSupPr>
                       <m:e>
                         <m:r>
+                          <m:rPr>
+                            <m:sty m:val="p"/>
+                          </m:rPr>
+                          <a:rPr lang="en-US" altLang="ko-KR" sz="2000">
+                            <a:solidFill>
+                              <a:srgbClr val="FF0000"/>
+                            </a:solidFill>
+                            <a:latin typeface="Cambria Math" panose="02040503050406030204" pitchFamily="18" charset="0"/>
+                          </a:rPr>
+                          <m:t>g</m:t>
+                        </m:r>
+                        <m:r>
+                          <a:rPr lang="en-US" altLang="ko-KR" sz="2000">
+                            <a:solidFill>
+                              <a:srgbClr val="FF0000"/>
+                            </a:solidFill>
+                            <a:latin typeface="Cambria Math" panose="02040503050406030204" pitchFamily="18" charset="0"/>
+                          </a:rPr>
+                          <m:t>′(</m:t>
+                        </m:r>
+                        <m:r>
+                          <m:rPr>
+                            <m:sty m:val="p"/>
+                          </m:rPr>
+                          <a:rPr lang="en-US" altLang="ko-KR" sz="2000">
+                            <a:latin typeface="Cambria Math" panose="02040503050406030204" pitchFamily="18" charset="0"/>
+                          </a:rPr>
+                          <m:t>Y</m:t>
+                        </m:r>
+                        <m:r>
+                          <a:rPr lang="en-US" altLang="ko-KR" sz="2000">
+                            <a:latin typeface="Cambria Math" panose="02040503050406030204" pitchFamily="18" charset="0"/>
+                          </a:rPr>
+                          <m:t>)</m:t>
+                        </m:r>
+                        <m:r>
                           <a:rPr lang="en-US" altLang="ko-KR" sz="2000" b="0" i="1" smtClean="0">
                             <a:latin typeface="Cambria Math" panose="02040503050406030204" pitchFamily="18" charset="0"/>
                           </a:rPr>
-                          <m:t> </m:t>
+                          <m:t>= </m:t>
                         </m:r>
                         <m:d>
                           <m:dPr>
@@ -18049,13 +18838,7 @@
                                   <a:rPr lang="en-US" altLang="ko-KR" sz="2000" b="0" i="1" smtClean="0">
                                     <a:latin typeface="Cambria Math" panose="02040503050406030204" pitchFamily="18" charset="0"/>
                                   </a:rPr>
-                                  <m:t>{</m:t>
-                                </m:r>
-                                <m:r>
-                                  <a:rPr lang="en-US" altLang="ko-KR" sz="2000" b="0" i="1" smtClean="0">
-                                    <a:latin typeface="Cambria Math" panose="02040503050406030204" pitchFamily="18" charset="0"/>
-                                  </a:rPr>
-                                  <m:t>(</m:t>
+                                  <m:t>{(</m:t>
                                 </m:r>
                                 <m:r>
                                   <a:rPr lang="en-US" altLang="ko-KR" sz="2000" i="1">
@@ -18101,13 +18884,7 @@
                               <a:rPr lang="en-US" altLang="ko-KR" sz="2000" b="0" i="1" smtClean="0">
                                 <a:latin typeface="Cambria Math" panose="02040503050406030204" pitchFamily="18" charset="0"/>
                               </a:rPr>
-                              <m:t>)</m:t>
-                            </m:r>
-                            <m:r>
-                              <a:rPr lang="en-US" altLang="ko-KR" sz="2000" b="0" i="1" smtClean="0">
-                                <a:latin typeface="Cambria Math" panose="02040503050406030204" pitchFamily="18" charset="0"/>
-                              </a:rPr>
-                              <m:t>−[</m:t>
+                              <m:t>)−[</m:t>
                             </m:r>
                             <m:bar>
                               <m:barPr>
@@ -19685,13 +20462,7 @@
                       <a:rPr lang="en-US" altLang="ko-KR" sz="2000" b="0" i="1" smtClean="0">
                         <a:latin typeface="Cambria Math" panose="02040503050406030204" pitchFamily="18" charset="0"/>
                       </a:rPr>
-                      <m:t>+</m:t>
-                    </m:r>
-                    <m:r>
-                      <a:rPr lang="en-US" altLang="ko-KR" sz="2000" b="0" i="1" smtClean="0">
-                        <a:latin typeface="Cambria Math" panose="02040503050406030204" pitchFamily="18" charset="0"/>
-                      </a:rPr>
-                      <m:t> </m:t>
+                      <m:t>+ </m:t>
                     </m:r>
                     <m:nary>
                       <m:naryPr>
@@ -20444,7 +21215,7 @@
                 </a:endParaRPr>
               </a:p>
               <a:p>
-                <a:pPr marL="0" indent="0">
+                <a:pPr marL="0" indent="0" algn="ctr">
                   <a:buNone/>
                 </a:pPr>
                 <a:r>
@@ -21180,8 +21951,8 @@
           </a:p>
         </p:txBody>
       </p:sp>
-      <mc:AlternateContent xmlns:mc="http://schemas.openxmlformats.org/markup-compatibility/2006">
-        <mc:Choice xmlns:a14="http://schemas.microsoft.com/office/drawing/2010/main" Requires="a14">
+      <mc:AlternateContent xmlns:mc="http://schemas.openxmlformats.org/markup-compatibility/2006" xmlns:a14="http://schemas.microsoft.com/office/drawing/2010/main">
+        <mc:Choice Requires="a14">
           <p:sp>
             <p:nvSpPr>
               <p:cNvPr id="3" name="내용 개체 틀 2">
@@ -21990,7 +22761,7 @@
             </p:txBody>
           </p:sp>
         </mc:Choice>
-        <mc:Fallback>
+        <mc:Fallback xmlns="">
           <p:sp>
             <p:nvSpPr>
               <p:cNvPr id="3" name="내용 개체 틀 2">
@@ -22088,8 +22859,8 @@
           </a:p>
         </p:txBody>
       </p:sp>
-      <mc:AlternateContent xmlns:mc="http://schemas.openxmlformats.org/markup-compatibility/2006">
-        <mc:Choice xmlns:a14="http://schemas.microsoft.com/office/drawing/2010/main" Requires="a14">
+      <mc:AlternateContent xmlns:mc="http://schemas.openxmlformats.org/markup-compatibility/2006" xmlns:a14="http://schemas.microsoft.com/office/drawing/2010/main">
+        <mc:Choice Requires="a14">
           <p:sp>
             <p:nvSpPr>
               <p:cNvPr id="3" name="내용 개체 틀 2">
@@ -22709,7 +23480,7 @@
                     <m:f>
                       <m:fPr>
                         <m:ctrlPr>
-                          <a:rPr lang="en-US" altLang="ko-KR" sz="2000" b="0" i="0" smtClean="0">
+                          <a:rPr lang="en-US" altLang="ko-KR" sz="2000" b="0" i="1" smtClean="0">
                             <a:latin typeface="Cambria Math" panose="02040503050406030204" pitchFamily="18" charset="0"/>
                           </a:rPr>
                         </m:ctrlPr>
@@ -23239,7 +24010,7 @@
             </p:txBody>
           </p:sp>
         </mc:Choice>
-        <mc:Fallback>
+        <mc:Fallback xmlns="">
           <p:sp>
             <p:nvSpPr>
               <p:cNvPr id="3" name="내용 개체 틀 2">
